--- a/Chapter 1 Definition1.pptx
+++ b/Chapter 1 Definition1.pptx
@@ -112,7 +112,7 @@
   </p:defaultTextStyle>
   <p:extLst>
     <p:ext uri="{EFAFB233-063F-42B5-8137-9DF3F51BA10A}">
-      <p15:sldGuideLst xmlns:p15="http://schemas.microsoft.com/office/powerpoint/2012/main" xmlns="">
+      <p15:sldGuideLst xmlns:p15="http://schemas.microsoft.com/office/powerpoint/2012/main">
         <p15:guide id="1" orient="horz" pos="2160" userDrawn="1">
           <p15:clr>
             <a:srgbClr val="A4A3A4"/>
@@ -151,7 +151,7 @@
           <p:cNvPr id="2" name="Title 1">
             <a:extLst>
               <a:ext uri="{FF2B5EF4-FFF2-40B4-BE49-F238E27FC236}">
-                <a16:creationId xmlns:a16="http://schemas.microsoft.com/office/drawing/2014/main" xmlns="" id="{6907B087-7217-4EA9-A950-B66DB01C3FFE}"/>
+                <a16:creationId xmlns:a16="http://schemas.microsoft.com/office/drawing/2014/main" id="{6907B087-7217-4EA9-A950-B66DB01C3FFE}"/>
               </a:ext>
             </a:extLst>
           </p:cNvPr>
@@ -189,7 +189,7 @@
           <p:cNvPr id="3" name="Subtitle 2">
             <a:extLst>
               <a:ext uri="{FF2B5EF4-FFF2-40B4-BE49-F238E27FC236}">
-                <a16:creationId xmlns:a16="http://schemas.microsoft.com/office/drawing/2014/main" xmlns="" id="{245981C1-7AAF-4C45-BCB6-4F3AE906998F}"/>
+                <a16:creationId xmlns:a16="http://schemas.microsoft.com/office/drawing/2014/main" id="{245981C1-7AAF-4C45-BCB6-4F3AE906998F}"/>
               </a:ext>
             </a:extLst>
           </p:cNvPr>
@@ -260,7 +260,7 @@
           <p:cNvPr id="4" name="Date Placeholder 3">
             <a:extLst>
               <a:ext uri="{FF2B5EF4-FFF2-40B4-BE49-F238E27FC236}">
-                <a16:creationId xmlns:a16="http://schemas.microsoft.com/office/drawing/2014/main" xmlns="" id="{5915F827-07DD-4336-B21D-75FC457E78ED}"/>
+                <a16:creationId xmlns:a16="http://schemas.microsoft.com/office/drawing/2014/main" id="{5915F827-07DD-4336-B21D-75FC457E78ED}"/>
               </a:ext>
             </a:extLst>
           </p:cNvPr>
@@ -278,7 +278,7 @@
           <a:p>
             <a:fld id="{4A1B7908-05E0-489E-88A0-418655F09AC7}" type="datetimeFigureOut">
               <a:rPr lang="en-IN" smtClean="0"/>
-              <a:t>26-09-2023</a:t>
+              <a:t>07-12-2023</a:t>
             </a:fld>
             <a:endParaRPr lang="en-IN"/>
           </a:p>
@@ -289,7 +289,7 @@
           <p:cNvPr id="5" name="Footer Placeholder 4">
             <a:extLst>
               <a:ext uri="{FF2B5EF4-FFF2-40B4-BE49-F238E27FC236}">
-                <a16:creationId xmlns:a16="http://schemas.microsoft.com/office/drawing/2014/main" xmlns="" id="{41976857-F794-44C5-A1A7-91AD5AC3368C}"/>
+                <a16:creationId xmlns:a16="http://schemas.microsoft.com/office/drawing/2014/main" id="{41976857-F794-44C5-A1A7-91AD5AC3368C}"/>
               </a:ext>
             </a:extLst>
           </p:cNvPr>
@@ -314,7 +314,7 @@
           <p:cNvPr id="6" name="Slide Number Placeholder 5">
             <a:extLst>
               <a:ext uri="{FF2B5EF4-FFF2-40B4-BE49-F238E27FC236}">
-                <a16:creationId xmlns:a16="http://schemas.microsoft.com/office/drawing/2014/main" xmlns="" id="{F78B8F94-A973-4A5C-ACEF-879854DA68AD}"/>
+                <a16:creationId xmlns:a16="http://schemas.microsoft.com/office/drawing/2014/main" id="{F78B8F94-A973-4A5C-ACEF-879854DA68AD}"/>
               </a:ext>
             </a:extLst>
           </p:cNvPr>
@@ -373,7 +373,7 @@
           <p:cNvPr id="2" name="Title 1">
             <a:extLst>
               <a:ext uri="{FF2B5EF4-FFF2-40B4-BE49-F238E27FC236}">
-                <a16:creationId xmlns:a16="http://schemas.microsoft.com/office/drawing/2014/main" xmlns="" id="{7D0EEA32-4F3E-4849-88BF-3C37F9070D06}"/>
+                <a16:creationId xmlns:a16="http://schemas.microsoft.com/office/drawing/2014/main" id="{7D0EEA32-4F3E-4849-88BF-3C37F9070D06}"/>
               </a:ext>
             </a:extLst>
           </p:cNvPr>
@@ -402,7 +402,7 @@
           <p:cNvPr id="3" name="Vertical Text Placeholder 2">
             <a:extLst>
               <a:ext uri="{FF2B5EF4-FFF2-40B4-BE49-F238E27FC236}">
-                <a16:creationId xmlns:a16="http://schemas.microsoft.com/office/drawing/2014/main" xmlns="" id="{224CB389-19C1-443B-874C-97C76DC9E5D3}"/>
+                <a16:creationId xmlns:a16="http://schemas.microsoft.com/office/drawing/2014/main" id="{224CB389-19C1-443B-874C-97C76DC9E5D3}"/>
               </a:ext>
             </a:extLst>
           </p:cNvPr>
@@ -460,7 +460,7 @@
           <p:cNvPr id="4" name="Date Placeholder 3">
             <a:extLst>
               <a:ext uri="{FF2B5EF4-FFF2-40B4-BE49-F238E27FC236}">
-                <a16:creationId xmlns:a16="http://schemas.microsoft.com/office/drawing/2014/main" xmlns="" id="{9C372B14-7805-4F5A-991B-DC590CAA911F}"/>
+                <a16:creationId xmlns:a16="http://schemas.microsoft.com/office/drawing/2014/main" id="{9C372B14-7805-4F5A-991B-DC590CAA911F}"/>
               </a:ext>
             </a:extLst>
           </p:cNvPr>
@@ -478,7 +478,7 @@
           <a:p>
             <a:fld id="{4A1B7908-05E0-489E-88A0-418655F09AC7}" type="datetimeFigureOut">
               <a:rPr lang="en-IN" smtClean="0"/>
-              <a:t>26-09-2023</a:t>
+              <a:t>07-12-2023</a:t>
             </a:fld>
             <a:endParaRPr lang="en-IN"/>
           </a:p>
@@ -489,7 +489,7 @@
           <p:cNvPr id="5" name="Footer Placeholder 4">
             <a:extLst>
               <a:ext uri="{FF2B5EF4-FFF2-40B4-BE49-F238E27FC236}">
-                <a16:creationId xmlns:a16="http://schemas.microsoft.com/office/drawing/2014/main" xmlns="" id="{8FFEBEE0-F026-47D9-B3F5-7128BB02467C}"/>
+                <a16:creationId xmlns:a16="http://schemas.microsoft.com/office/drawing/2014/main" id="{8FFEBEE0-F026-47D9-B3F5-7128BB02467C}"/>
               </a:ext>
             </a:extLst>
           </p:cNvPr>
@@ -514,7 +514,7 @@
           <p:cNvPr id="6" name="Slide Number Placeholder 5">
             <a:extLst>
               <a:ext uri="{FF2B5EF4-FFF2-40B4-BE49-F238E27FC236}">
-                <a16:creationId xmlns:a16="http://schemas.microsoft.com/office/drawing/2014/main" xmlns="" id="{A8D32603-F609-47F9-8A68-C0C52E2AAAD5}"/>
+                <a16:creationId xmlns:a16="http://schemas.microsoft.com/office/drawing/2014/main" id="{A8D32603-F609-47F9-8A68-C0C52E2AAAD5}"/>
               </a:ext>
             </a:extLst>
           </p:cNvPr>
@@ -573,7 +573,7 @@
           <p:cNvPr id="2" name="Vertical Title 1">
             <a:extLst>
               <a:ext uri="{FF2B5EF4-FFF2-40B4-BE49-F238E27FC236}">
-                <a16:creationId xmlns:a16="http://schemas.microsoft.com/office/drawing/2014/main" xmlns="" id="{8A8D4B93-FEF6-4B95-B8C8-F4F340BEF07A}"/>
+                <a16:creationId xmlns:a16="http://schemas.microsoft.com/office/drawing/2014/main" id="{8A8D4B93-FEF6-4B95-B8C8-F4F340BEF07A}"/>
               </a:ext>
             </a:extLst>
           </p:cNvPr>
@@ -607,7 +607,7 @@
           <p:cNvPr id="3" name="Vertical Text Placeholder 2">
             <a:extLst>
               <a:ext uri="{FF2B5EF4-FFF2-40B4-BE49-F238E27FC236}">
-                <a16:creationId xmlns:a16="http://schemas.microsoft.com/office/drawing/2014/main" xmlns="" id="{D67835C9-66E3-4D89-A338-B04771B2F9EC}"/>
+                <a16:creationId xmlns:a16="http://schemas.microsoft.com/office/drawing/2014/main" id="{D67835C9-66E3-4D89-A338-B04771B2F9EC}"/>
               </a:ext>
             </a:extLst>
           </p:cNvPr>
@@ -670,7 +670,7 @@
           <p:cNvPr id="4" name="Date Placeholder 3">
             <a:extLst>
               <a:ext uri="{FF2B5EF4-FFF2-40B4-BE49-F238E27FC236}">
-                <a16:creationId xmlns:a16="http://schemas.microsoft.com/office/drawing/2014/main" xmlns="" id="{30523566-6810-4006-A7E3-611423656985}"/>
+                <a16:creationId xmlns:a16="http://schemas.microsoft.com/office/drawing/2014/main" id="{30523566-6810-4006-A7E3-611423656985}"/>
               </a:ext>
             </a:extLst>
           </p:cNvPr>
@@ -688,7 +688,7 @@
           <a:p>
             <a:fld id="{4A1B7908-05E0-489E-88A0-418655F09AC7}" type="datetimeFigureOut">
               <a:rPr lang="en-IN" smtClean="0"/>
-              <a:t>26-09-2023</a:t>
+              <a:t>07-12-2023</a:t>
             </a:fld>
             <a:endParaRPr lang="en-IN"/>
           </a:p>
@@ -699,7 +699,7 @@
           <p:cNvPr id="5" name="Footer Placeholder 4">
             <a:extLst>
               <a:ext uri="{FF2B5EF4-FFF2-40B4-BE49-F238E27FC236}">
-                <a16:creationId xmlns:a16="http://schemas.microsoft.com/office/drawing/2014/main" xmlns="" id="{2A0094ED-3D80-4299-B7B1-87FC5C81C6D5}"/>
+                <a16:creationId xmlns:a16="http://schemas.microsoft.com/office/drawing/2014/main" id="{2A0094ED-3D80-4299-B7B1-87FC5C81C6D5}"/>
               </a:ext>
             </a:extLst>
           </p:cNvPr>
@@ -724,7 +724,7 @@
           <p:cNvPr id="6" name="Slide Number Placeholder 5">
             <a:extLst>
               <a:ext uri="{FF2B5EF4-FFF2-40B4-BE49-F238E27FC236}">
-                <a16:creationId xmlns:a16="http://schemas.microsoft.com/office/drawing/2014/main" xmlns="" id="{8DEC1196-2BA2-4E6A-AEAC-8A6D8E8F991A}"/>
+                <a16:creationId xmlns:a16="http://schemas.microsoft.com/office/drawing/2014/main" id="{8DEC1196-2BA2-4E6A-AEAC-8A6D8E8F991A}"/>
               </a:ext>
             </a:extLst>
           </p:cNvPr>
@@ -783,7 +783,7 @@
           <p:cNvPr id="2" name="Title 1">
             <a:extLst>
               <a:ext uri="{FF2B5EF4-FFF2-40B4-BE49-F238E27FC236}">
-                <a16:creationId xmlns:a16="http://schemas.microsoft.com/office/drawing/2014/main" xmlns="" id="{4C7CFDEB-09E3-4458-8818-16143A35E0E4}"/>
+                <a16:creationId xmlns:a16="http://schemas.microsoft.com/office/drawing/2014/main" id="{4C7CFDEB-09E3-4458-8818-16143A35E0E4}"/>
               </a:ext>
             </a:extLst>
           </p:cNvPr>
@@ -812,7 +812,7 @@
           <p:cNvPr id="3" name="Content Placeholder 2">
             <a:extLst>
               <a:ext uri="{FF2B5EF4-FFF2-40B4-BE49-F238E27FC236}">
-                <a16:creationId xmlns:a16="http://schemas.microsoft.com/office/drawing/2014/main" xmlns="" id="{79087DD0-F754-4AC2-B0D6-AC2459FA423C}"/>
+                <a16:creationId xmlns:a16="http://schemas.microsoft.com/office/drawing/2014/main" id="{79087DD0-F754-4AC2-B0D6-AC2459FA423C}"/>
               </a:ext>
             </a:extLst>
           </p:cNvPr>
@@ -870,7 +870,7 @@
           <p:cNvPr id="4" name="Date Placeholder 3">
             <a:extLst>
               <a:ext uri="{FF2B5EF4-FFF2-40B4-BE49-F238E27FC236}">
-                <a16:creationId xmlns:a16="http://schemas.microsoft.com/office/drawing/2014/main" xmlns="" id="{54DCB229-CF61-43BE-96A5-F53C3E3C7C85}"/>
+                <a16:creationId xmlns:a16="http://schemas.microsoft.com/office/drawing/2014/main" id="{54DCB229-CF61-43BE-96A5-F53C3E3C7C85}"/>
               </a:ext>
             </a:extLst>
           </p:cNvPr>
@@ -888,7 +888,7 @@
           <a:p>
             <a:fld id="{4A1B7908-05E0-489E-88A0-418655F09AC7}" type="datetimeFigureOut">
               <a:rPr lang="en-IN" smtClean="0"/>
-              <a:t>26-09-2023</a:t>
+              <a:t>07-12-2023</a:t>
             </a:fld>
             <a:endParaRPr lang="en-IN"/>
           </a:p>
@@ -899,7 +899,7 @@
           <p:cNvPr id="5" name="Footer Placeholder 4">
             <a:extLst>
               <a:ext uri="{FF2B5EF4-FFF2-40B4-BE49-F238E27FC236}">
-                <a16:creationId xmlns:a16="http://schemas.microsoft.com/office/drawing/2014/main" xmlns="" id="{5923B4C5-A0FD-4951-BB64-DEB3D6463676}"/>
+                <a16:creationId xmlns:a16="http://schemas.microsoft.com/office/drawing/2014/main" id="{5923B4C5-A0FD-4951-BB64-DEB3D6463676}"/>
               </a:ext>
             </a:extLst>
           </p:cNvPr>
@@ -924,7 +924,7 @@
           <p:cNvPr id="6" name="Slide Number Placeholder 5">
             <a:extLst>
               <a:ext uri="{FF2B5EF4-FFF2-40B4-BE49-F238E27FC236}">
-                <a16:creationId xmlns:a16="http://schemas.microsoft.com/office/drawing/2014/main" xmlns="" id="{53DF2121-EE9F-49C8-89CF-4B364A680E6D}"/>
+                <a16:creationId xmlns:a16="http://schemas.microsoft.com/office/drawing/2014/main" id="{53DF2121-EE9F-49C8-89CF-4B364A680E6D}"/>
               </a:ext>
             </a:extLst>
           </p:cNvPr>
@@ -983,7 +983,7 @@
           <p:cNvPr id="2" name="Title 1">
             <a:extLst>
               <a:ext uri="{FF2B5EF4-FFF2-40B4-BE49-F238E27FC236}">
-                <a16:creationId xmlns:a16="http://schemas.microsoft.com/office/drawing/2014/main" xmlns="" id="{67BDCFB7-CAE8-40D7-BDB9-7FF4D7E7ABB7}"/>
+                <a16:creationId xmlns:a16="http://schemas.microsoft.com/office/drawing/2014/main" id="{67BDCFB7-CAE8-40D7-BDB9-7FF4D7E7ABB7}"/>
               </a:ext>
             </a:extLst>
           </p:cNvPr>
@@ -1021,7 +1021,7 @@
           <p:cNvPr id="3" name="Text Placeholder 2">
             <a:extLst>
               <a:ext uri="{FF2B5EF4-FFF2-40B4-BE49-F238E27FC236}">
-                <a16:creationId xmlns:a16="http://schemas.microsoft.com/office/drawing/2014/main" xmlns="" id="{0BC74CFE-48D8-4150-869E-103A4BB10F9D}"/>
+                <a16:creationId xmlns:a16="http://schemas.microsoft.com/office/drawing/2014/main" id="{0BC74CFE-48D8-4150-869E-103A4BB10F9D}"/>
               </a:ext>
             </a:extLst>
           </p:cNvPr>
@@ -1146,7 +1146,7 @@
           <p:cNvPr id="4" name="Date Placeholder 3">
             <a:extLst>
               <a:ext uri="{FF2B5EF4-FFF2-40B4-BE49-F238E27FC236}">
-                <a16:creationId xmlns:a16="http://schemas.microsoft.com/office/drawing/2014/main" xmlns="" id="{FF222C08-71DB-4845-8855-E8F0DBB90321}"/>
+                <a16:creationId xmlns:a16="http://schemas.microsoft.com/office/drawing/2014/main" id="{FF222C08-71DB-4845-8855-E8F0DBB90321}"/>
               </a:ext>
             </a:extLst>
           </p:cNvPr>
@@ -1164,7 +1164,7 @@
           <a:p>
             <a:fld id="{4A1B7908-05E0-489E-88A0-418655F09AC7}" type="datetimeFigureOut">
               <a:rPr lang="en-IN" smtClean="0"/>
-              <a:t>26-09-2023</a:t>
+              <a:t>07-12-2023</a:t>
             </a:fld>
             <a:endParaRPr lang="en-IN"/>
           </a:p>
@@ -1175,7 +1175,7 @@
           <p:cNvPr id="5" name="Footer Placeholder 4">
             <a:extLst>
               <a:ext uri="{FF2B5EF4-FFF2-40B4-BE49-F238E27FC236}">
-                <a16:creationId xmlns:a16="http://schemas.microsoft.com/office/drawing/2014/main" xmlns="" id="{90D6C4AA-0AFC-4BEF-B4EE-2FD484334C03}"/>
+                <a16:creationId xmlns:a16="http://schemas.microsoft.com/office/drawing/2014/main" id="{90D6C4AA-0AFC-4BEF-B4EE-2FD484334C03}"/>
               </a:ext>
             </a:extLst>
           </p:cNvPr>
@@ -1200,7 +1200,7 @@
           <p:cNvPr id="6" name="Slide Number Placeholder 5">
             <a:extLst>
               <a:ext uri="{FF2B5EF4-FFF2-40B4-BE49-F238E27FC236}">
-                <a16:creationId xmlns:a16="http://schemas.microsoft.com/office/drawing/2014/main" xmlns="" id="{4326E051-4501-4229-BE5B-CC5885A8BEB0}"/>
+                <a16:creationId xmlns:a16="http://schemas.microsoft.com/office/drawing/2014/main" id="{4326E051-4501-4229-BE5B-CC5885A8BEB0}"/>
               </a:ext>
             </a:extLst>
           </p:cNvPr>
@@ -1259,7 +1259,7 @@
           <p:cNvPr id="2" name="Title 1">
             <a:extLst>
               <a:ext uri="{FF2B5EF4-FFF2-40B4-BE49-F238E27FC236}">
-                <a16:creationId xmlns:a16="http://schemas.microsoft.com/office/drawing/2014/main" xmlns="" id="{DCE6D6D1-763A-4843-930B-436750F51301}"/>
+                <a16:creationId xmlns:a16="http://schemas.microsoft.com/office/drawing/2014/main" id="{DCE6D6D1-763A-4843-930B-436750F51301}"/>
               </a:ext>
             </a:extLst>
           </p:cNvPr>
@@ -1288,7 +1288,7 @@
           <p:cNvPr id="3" name="Content Placeholder 2">
             <a:extLst>
               <a:ext uri="{FF2B5EF4-FFF2-40B4-BE49-F238E27FC236}">
-                <a16:creationId xmlns:a16="http://schemas.microsoft.com/office/drawing/2014/main" xmlns="" id="{684A651F-37AC-4DDD-93C7-D58CE1949330}"/>
+                <a16:creationId xmlns:a16="http://schemas.microsoft.com/office/drawing/2014/main" id="{684A651F-37AC-4DDD-93C7-D58CE1949330}"/>
               </a:ext>
             </a:extLst>
           </p:cNvPr>
@@ -1351,7 +1351,7 @@
           <p:cNvPr id="4" name="Content Placeholder 3">
             <a:extLst>
               <a:ext uri="{FF2B5EF4-FFF2-40B4-BE49-F238E27FC236}">
-                <a16:creationId xmlns:a16="http://schemas.microsoft.com/office/drawing/2014/main" xmlns="" id="{7563ED6B-17B3-4EA5-9F87-3B1B8C130EDE}"/>
+                <a16:creationId xmlns:a16="http://schemas.microsoft.com/office/drawing/2014/main" id="{7563ED6B-17B3-4EA5-9F87-3B1B8C130EDE}"/>
               </a:ext>
             </a:extLst>
           </p:cNvPr>
@@ -1414,7 +1414,7 @@
           <p:cNvPr id="5" name="Date Placeholder 4">
             <a:extLst>
               <a:ext uri="{FF2B5EF4-FFF2-40B4-BE49-F238E27FC236}">
-                <a16:creationId xmlns:a16="http://schemas.microsoft.com/office/drawing/2014/main" xmlns="" id="{A28308CD-1822-4BF2-A629-3BC0C0DF6782}"/>
+                <a16:creationId xmlns:a16="http://schemas.microsoft.com/office/drawing/2014/main" id="{A28308CD-1822-4BF2-A629-3BC0C0DF6782}"/>
               </a:ext>
             </a:extLst>
           </p:cNvPr>
@@ -1432,7 +1432,7 @@
           <a:p>
             <a:fld id="{4A1B7908-05E0-489E-88A0-418655F09AC7}" type="datetimeFigureOut">
               <a:rPr lang="en-IN" smtClean="0"/>
-              <a:t>26-09-2023</a:t>
+              <a:t>07-12-2023</a:t>
             </a:fld>
             <a:endParaRPr lang="en-IN"/>
           </a:p>
@@ -1443,7 +1443,7 @@
           <p:cNvPr id="6" name="Footer Placeholder 5">
             <a:extLst>
               <a:ext uri="{FF2B5EF4-FFF2-40B4-BE49-F238E27FC236}">
-                <a16:creationId xmlns:a16="http://schemas.microsoft.com/office/drawing/2014/main" xmlns="" id="{BC43C7D0-73BB-4998-832D-25E3A96ACFE9}"/>
+                <a16:creationId xmlns:a16="http://schemas.microsoft.com/office/drawing/2014/main" id="{BC43C7D0-73BB-4998-832D-25E3A96ACFE9}"/>
               </a:ext>
             </a:extLst>
           </p:cNvPr>
@@ -1468,7 +1468,7 @@
           <p:cNvPr id="7" name="Slide Number Placeholder 6">
             <a:extLst>
               <a:ext uri="{FF2B5EF4-FFF2-40B4-BE49-F238E27FC236}">
-                <a16:creationId xmlns:a16="http://schemas.microsoft.com/office/drawing/2014/main" xmlns="" id="{AA5A51FB-5A41-4D55-B713-2B7C95368738}"/>
+                <a16:creationId xmlns:a16="http://schemas.microsoft.com/office/drawing/2014/main" id="{AA5A51FB-5A41-4D55-B713-2B7C95368738}"/>
               </a:ext>
             </a:extLst>
           </p:cNvPr>
@@ -1527,7 +1527,7 @@
           <p:cNvPr id="2" name="Title 1">
             <a:extLst>
               <a:ext uri="{FF2B5EF4-FFF2-40B4-BE49-F238E27FC236}">
-                <a16:creationId xmlns:a16="http://schemas.microsoft.com/office/drawing/2014/main" xmlns="" id="{BE96D08F-D27D-4376-8C34-EBE75B82E6BA}"/>
+                <a16:creationId xmlns:a16="http://schemas.microsoft.com/office/drawing/2014/main" id="{BE96D08F-D27D-4376-8C34-EBE75B82E6BA}"/>
               </a:ext>
             </a:extLst>
           </p:cNvPr>
@@ -1561,7 +1561,7 @@
           <p:cNvPr id="3" name="Text Placeholder 2">
             <a:extLst>
               <a:ext uri="{FF2B5EF4-FFF2-40B4-BE49-F238E27FC236}">
-                <a16:creationId xmlns:a16="http://schemas.microsoft.com/office/drawing/2014/main" xmlns="" id="{EE632ED5-18CC-4260-829C-D14C9514E63F}"/>
+                <a16:creationId xmlns:a16="http://schemas.microsoft.com/office/drawing/2014/main" id="{EE632ED5-18CC-4260-829C-D14C9514E63F}"/>
               </a:ext>
             </a:extLst>
           </p:cNvPr>
@@ -1632,7 +1632,7 @@
           <p:cNvPr id="4" name="Content Placeholder 3">
             <a:extLst>
               <a:ext uri="{FF2B5EF4-FFF2-40B4-BE49-F238E27FC236}">
-                <a16:creationId xmlns:a16="http://schemas.microsoft.com/office/drawing/2014/main" xmlns="" id="{8E4FE1B4-2CFD-42C2-9192-B3F0EDEEB1E6}"/>
+                <a16:creationId xmlns:a16="http://schemas.microsoft.com/office/drawing/2014/main" id="{8E4FE1B4-2CFD-42C2-9192-B3F0EDEEB1E6}"/>
               </a:ext>
             </a:extLst>
           </p:cNvPr>
@@ -1695,7 +1695,7 @@
           <p:cNvPr id="5" name="Text Placeholder 4">
             <a:extLst>
               <a:ext uri="{FF2B5EF4-FFF2-40B4-BE49-F238E27FC236}">
-                <a16:creationId xmlns:a16="http://schemas.microsoft.com/office/drawing/2014/main" xmlns="" id="{9612C16E-AEF7-4F37-AD52-E96DBA6681EB}"/>
+                <a16:creationId xmlns:a16="http://schemas.microsoft.com/office/drawing/2014/main" id="{9612C16E-AEF7-4F37-AD52-E96DBA6681EB}"/>
               </a:ext>
             </a:extLst>
           </p:cNvPr>
@@ -1766,7 +1766,7 @@
           <p:cNvPr id="6" name="Content Placeholder 5">
             <a:extLst>
               <a:ext uri="{FF2B5EF4-FFF2-40B4-BE49-F238E27FC236}">
-                <a16:creationId xmlns:a16="http://schemas.microsoft.com/office/drawing/2014/main" xmlns="" id="{AC074076-C2DE-47D8-8B70-94C9CB8AE0E7}"/>
+                <a16:creationId xmlns:a16="http://schemas.microsoft.com/office/drawing/2014/main" id="{AC074076-C2DE-47D8-8B70-94C9CB8AE0E7}"/>
               </a:ext>
             </a:extLst>
           </p:cNvPr>
@@ -1829,7 +1829,7 @@
           <p:cNvPr id="7" name="Date Placeholder 6">
             <a:extLst>
               <a:ext uri="{FF2B5EF4-FFF2-40B4-BE49-F238E27FC236}">
-                <a16:creationId xmlns:a16="http://schemas.microsoft.com/office/drawing/2014/main" xmlns="" id="{CCAAD330-9E99-43BD-923E-E1D274156BA0}"/>
+                <a16:creationId xmlns:a16="http://schemas.microsoft.com/office/drawing/2014/main" id="{CCAAD330-9E99-43BD-923E-E1D274156BA0}"/>
               </a:ext>
             </a:extLst>
           </p:cNvPr>
@@ -1847,7 +1847,7 @@
           <a:p>
             <a:fld id="{4A1B7908-05E0-489E-88A0-418655F09AC7}" type="datetimeFigureOut">
               <a:rPr lang="en-IN" smtClean="0"/>
-              <a:t>26-09-2023</a:t>
+              <a:t>07-12-2023</a:t>
             </a:fld>
             <a:endParaRPr lang="en-IN"/>
           </a:p>
@@ -1858,7 +1858,7 @@
           <p:cNvPr id="8" name="Footer Placeholder 7">
             <a:extLst>
               <a:ext uri="{FF2B5EF4-FFF2-40B4-BE49-F238E27FC236}">
-                <a16:creationId xmlns:a16="http://schemas.microsoft.com/office/drawing/2014/main" xmlns="" id="{69B59C2F-F938-437B-BBFB-F935D971A65C}"/>
+                <a16:creationId xmlns:a16="http://schemas.microsoft.com/office/drawing/2014/main" id="{69B59C2F-F938-437B-BBFB-F935D971A65C}"/>
               </a:ext>
             </a:extLst>
           </p:cNvPr>
@@ -1883,7 +1883,7 @@
           <p:cNvPr id="9" name="Slide Number Placeholder 8">
             <a:extLst>
               <a:ext uri="{FF2B5EF4-FFF2-40B4-BE49-F238E27FC236}">
-                <a16:creationId xmlns:a16="http://schemas.microsoft.com/office/drawing/2014/main" xmlns="" id="{EC7DD2CB-EDD9-49A4-A751-83BECAD858ED}"/>
+                <a16:creationId xmlns:a16="http://schemas.microsoft.com/office/drawing/2014/main" id="{EC7DD2CB-EDD9-49A4-A751-83BECAD858ED}"/>
               </a:ext>
             </a:extLst>
           </p:cNvPr>
@@ -1942,7 +1942,7 @@
           <p:cNvPr id="2" name="Title 1">
             <a:extLst>
               <a:ext uri="{FF2B5EF4-FFF2-40B4-BE49-F238E27FC236}">
-                <a16:creationId xmlns:a16="http://schemas.microsoft.com/office/drawing/2014/main" xmlns="" id="{B3B378F1-C97D-437A-853C-D35A962ED536}"/>
+                <a16:creationId xmlns:a16="http://schemas.microsoft.com/office/drawing/2014/main" id="{B3B378F1-C97D-437A-853C-D35A962ED536}"/>
               </a:ext>
             </a:extLst>
           </p:cNvPr>
@@ -1971,7 +1971,7 @@
           <p:cNvPr id="3" name="Date Placeholder 2">
             <a:extLst>
               <a:ext uri="{FF2B5EF4-FFF2-40B4-BE49-F238E27FC236}">
-                <a16:creationId xmlns:a16="http://schemas.microsoft.com/office/drawing/2014/main" xmlns="" id="{92629325-DE89-4724-B859-A1C49ACFBECA}"/>
+                <a16:creationId xmlns:a16="http://schemas.microsoft.com/office/drawing/2014/main" id="{92629325-DE89-4724-B859-A1C49ACFBECA}"/>
               </a:ext>
             </a:extLst>
           </p:cNvPr>
@@ -1989,7 +1989,7 @@
           <a:p>
             <a:fld id="{4A1B7908-05E0-489E-88A0-418655F09AC7}" type="datetimeFigureOut">
               <a:rPr lang="en-IN" smtClean="0"/>
-              <a:t>26-09-2023</a:t>
+              <a:t>07-12-2023</a:t>
             </a:fld>
             <a:endParaRPr lang="en-IN"/>
           </a:p>
@@ -2000,7 +2000,7 @@
           <p:cNvPr id="4" name="Footer Placeholder 3">
             <a:extLst>
               <a:ext uri="{FF2B5EF4-FFF2-40B4-BE49-F238E27FC236}">
-                <a16:creationId xmlns:a16="http://schemas.microsoft.com/office/drawing/2014/main" xmlns="" id="{D9D4B846-65A0-4414-A0D7-2EA50C5E5C99}"/>
+                <a16:creationId xmlns:a16="http://schemas.microsoft.com/office/drawing/2014/main" id="{D9D4B846-65A0-4414-A0D7-2EA50C5E5C99}"/>
               </a:ext>
             </a:extLst>
           </p:cNvPr>
@@ -2025,7 +2025,7 @@
           <p:cNvPr id="5" name="Slide Number Placeholder 4">
             <a:extLst>
               <a:ext uri="{FF2B5EF4-FFF2-40B4-BE49-F238E27FC236}">
-                <a16:creationId xmlns:a16="http://schemas.microsoft.com/office/drawing/2014/main" xmlns="" id="{CA91CFB0-1F52-4A6A-952F-DA26EE230734}"/>
+                <a16:creationId xmlns:a16="http://schemas.microsoft.com/office/drawing/2014/main" id="{CA91CFB0-1F52-4A6A-952F-DA26EE230734}"/>
               </a:ext>
             </a:extLst>
           </p:cNvPr>
@@ -2084,7 +2084,7 @@
           <p:cNvPr id="2" name="Date Placeholder 1">
             <a:extLst>
               <a:ext uri="{FF2B5EF4-FFF2-40B4-BE49-F238E27FC236}">
-                <a16:creationId xmlns:a16="http://schemas.microsoft.com/office/drawing/2014/main" xmlns="" id="{DAFE0FB3-649C-4BC2-9E84-C0F09B1DBC66}"/>
+                <a16:creationId xmlns:a16="http://schemas.microsoft.com/office/drawing/2014/main" id="{DAFE0FB3-649C-4BC2-9E84-C0F09B1DBC66}"/>
               </a:ext>
             </a:extLst>
           </p:cNvPr>
@@ -2102,7 +2102,7 @@
           <a:p>
             <a:fld id="{4A1B7908-05E0-489E-88A0-418655F09AC7}" type="datetimeFigureOut">
               <a:rPr lang="en-IN" smtClean="0"/>
-              <a:t>26-09-2023</a:t>
+              <a:t>07-12-2023</a:t>
             </a:fld>
             <a:endParaRPr lang="en-IN"/>
           </a:p>
@@ -2113,7 +2113,7 @@
           <p:cNvPr id="3" name="Footer Placeholder 2">
             <a:extLst>
               <a:ext uri="{FF2B5EF4-FFF2-40B4-BE49-F238E27FC236}">
-                <a16:creationId xmlns:a16="http://schemas.microsoft.com/office/drawing/2014/main" xmlns="" id="{B62F254D-0BD8-46D9-BB4C-44477F28E339}"/>
+                <a16:creationId xmlns:a16="http://schemas.microsoft.com/office/drawing/2014/main" id="{B62F254D-0BD8-46D9-BB4C-44477F28E339}"/>
               </a:ext>
             </a:extLst>
           </p:cNvPr>
@@ -2138,7 +2138,7 @@
           <p:cNvPr id="4" name="Slide Number Placeholder 3">
             <a:extLst>
               <a:ext uri="{FF2B5EF4-FFF2-40B4-BE49-F238E27FC236}">
-                <a16:creationId xmlns:a16="http://schemas.microsoft.com/office/drawing/2014/main" xmlns="" id="{D24D4EA0-3BC3-4EC6-BD46-D072FE1F0EDA}"/>
+                <a16:creationId xmlns:a16="http://schemas.microsoft.com/office/drawing/2014/main" id="{D24D4EA0-3BC3-4EC6-BD46-D072FE1F0EDA}"/>
               </a:ext>
             </a:extLst>
           </p:cNvPr>
@@ -2197,7 +2197,7 @@
           <p:cNvPr id="2" name="Title 1">
             <a:extLst>
               <a:ext uri="{FF2B5EF4-FFF2-40B4-BE49-F238E27FC236}">
-                <a16:creationId xmlns:a16="http://schemas.microsoft.com/office/drawing/2014/main" xmlns="" id="{D1F436CB-FE0F-4135-BFC4-19774669A2EE}"/>
+                <a16:creationId xmlns:a16="http://schemas.microsoft.com/office/drawing/2014/main" id="{D1F436CB-FE0F-4135-BFC4-19774669A2EE}"/>
               </a:ext>
             </a:extLst>
           </p:cNvPr>
@@ -2235,7 +2235,7 @@
           <p:cNvPr id="3" name="Content Placeholder 2">
             <a:extLst>
               <a:ext uri="{FF2B5EF4-FFF2-40B4-BE49-F238E27FC236}">
-                <a16:creationId xmlns:a16="http://schemas.microsoft.com/office/drawing/2014/main" xmlns="" id="{4C0D3FAF-28F7-4AFB-8F8D-DC71D07C63F7}"/>
+                <a16:creationId xmlns:a16="http://schemas.microsoft.com/office/drawing/2014/main" id="{4C0D3FAF-28F7-4AFB-8F8D-DC71D07C63F7}"/>
               </a:ext>
             </a:extLst>
           </p:cNvPr>
@@ -2326,7 +2326,7 @@
           <p:cNvPr id="4" name="Text Placeholder 3">
             <a:extLst>
               <a:ext uri="{FF2B5EF4-FFF2-40B4-BE49-F238E27FC236}">
-                <a16:creationId xmlns:a16="http://schemas.microsoft.com/office/drawing/2014/main" xmlns="" id="{1C496CAA-0E2A-4DF3-9056-5144AFDB8F31}"/>
+                <a16:creationId xmlns:a16="http://schemas.microsoft.com/office/drawing/2014/main" id="{1C496CAA-0E2A-4DF3-9056-5144AFDB8F31}"/>
               </a:ext>
             </a:extLst>
           </p:cNvPr>
@@ -2397,7 +2397,7 @@
           <p:cNvPr id="5" name="Date Placeholder 4">
             <a:extLst>
               <a:ext uri="{FF2B5EF4-FFF2-40B4-BE49-F238E27FC236}">
-                <a16:creationId xmlns:a16="http://schemas.microsoft.com/office/drawing/2014/main" xmlns="" id="{1065C195-BFD2-48D2-B7F7-6DD4444D4D21}"/>
+                <a16:creationId xmlns:a16="http://schemas.microsoft.com/office/drawing/2014/main" id="{1065C195-BFD2-48D2-B7F7-6DD4444D4D21}"/>
               </a:ext>
             </a:extLst>
           </p:cNvPr>
@@ -2415,7 +2415,7 @@
           <a:p>
             <a:fld id="{4A1B7908-05E0-489E-88A0-418655F09AC7}" type="datetimeFigureOut">
               <a:rPr lang="en-IN" smtClean="0"/>
-              <a:t>26-09-2023</a:t>
+              <a:t>07-12-2023</a:t>
             </a:fld>
             <a:endParaRPr lang="en-IN"/>
           </a:p>
@@ -2426,7 +2426,7 @@
           <p:cNvPr id="6" name="Footer Placeholder 5">
             <a:extLst>
               <a:ext uri="{FF2B5EF4-FFF2-40B4-BE49-F238E27FC236}">
-                <a16:creationId xmlns:a16="http://schemas.microsoft.com/office/drawing/2014/main" xmlns="" id="{8EB63871-0973-46D4-808C-D3D4BC19E3A2}"/>
+                <a16:creationId xmlns:a16="http://schemas.microsoft.com/office/drawing/2014/main" id="{8EB63871-0973-46D4-808C-D3D4BC19E3A2}"/>
               </a:ext>
             </a:extLst>
           </p:cNvPr>
@@ -2451,7 +2451,7 @@
           <p:cNvPr id="7" name="Slide Number Placeholder 6">
             <a:extLst>
               <a:ext uri="{FF2B5EF4-FFF2-40B4-BE49-F238E27FC236}">
-                <a16:creationId xmlns:a16="http://schemas.microsoft.com/office/drawing/2014/main" xmlns="" id="{28FE092A-2F94-4240-84D1-90C4101826A2}"/>
+                <a16:creationId xmlns:a16="http://schemas.microsoft.com/office/drawing/2014/main" id="{28FE092A-2F94-4240-84D1-90C4101826A2}"/>
               </a:ext>
             </a:extLst>
           </p:cNvPr>
@@ -2510,7 +2510,7 @@
           <p:cNvPr id="2" name="Title 1">
             <a:extLst>
               <a:ext uri="{FF2B5EF4-FFF2-40B4-BE49-F238E27FC236}">
-                <a16:creationId xmlns:a16="http://schemas.microsoft.com/office/drawing/2014/main" xmlns="" id="{83507D1F-6E97-4AFE-AE8F-D365C1874EAA}"/>
+                <a16:creationId xmlns:a16="http://schemas.microsoft.com/office/drawing/2014/main" id="{83507D1F-6E97-4AFE-AE8F-D365C1874EAA}"/>
               </a:ext>
             </a:extLst>
           </p:cNvPr>
@@ -2548,7 +2548,7 @@
           <p:cNvPr id="3" name="Picture Placeholder 2">
             <a:extLst>
               <a:ext uri="{FF2B5EF4-FFF2-40B4-BE49-F238E27FC236}">
-                <a16:creationId xmlns:a16="http://schemas.microsoft.com/office/drawing/2014/main" xmlns="" id="{B23A1CDA-3FED-4205-8753-29AA030CD97F}"/>
+                <a16:creationId xmlns:a16="http://schemas.microsoft.com/office/drawing/2014/main" id="{B23A1CDA-3FED-4205-8753-29AA030CD97F}"/>
               </a:ext>
             </a:extLst>
           </p:cNvPr>
@@ -2615,7 +2615,7 @@
           <p:cNvPr id="4" name="Text Placeholder 3">
             <a:extLst>
               <a:ext uri="{FF2B5EF4-FFF2-40B4-BE49-F238E27FC236}">
-                <a16:creationId xmlns:a16="http://schemas.microsoft.com/office/drawing/2014/main" xmlns="" id="{C5A71C0E-156F-490D-9D9F-CD55779CCEE1}"/>
+                <a16:creationId xmlns:a16="http://schemas.microsoft.com/office/drawing/2014/main" id="{C5A71C0E-156F-490D-9D9F-CD55779CCEE1}"/>
               </a:ext>
             </a:extLst>
           </p:cNvPr>
@@ -2686,7 +2686,7 @@
           <p:cNvPr id="5" name="Date Placeholder 4">
             <a:extLst>
               <a:ext uri="{FF2B5EF4-FFF2-40B4-BE49-F238E27FC236}">
-                <a16:creationId xmlns:a16="http://schemas.microsoft.com/office/drawing/2014/main" xmlns="" id="{03E1A80C-5A9E-4B94-B463-F064C8937ECD}"/>
+                <a16:creationId xmlns:a16="http://schemas.microsoft.com/office/drawing/2014/main" id="{03E1A80C-5A9E-4B94-B463-F064C8937ECD}"/>
               </a:ext>
             </a:extLst>
           </p:cNvPr>
@@ -2704,7 +2704,7 @@
           <a:p>
             <a:fld id="{4A1B7908-05E0-489E-88A0-418655F09AC7}" type="datetimeFigureOut">
               <a:rPr lang="en-IN" smtClean="0"/>
-              <a:t>26-09-2023</a:t>
+              <a:t>07-12-2023</a:t>
             </a:fld>
             <a:endParaRPr lang="en-IN"/>
           </a:p>
@@ -2715,7 +2715,7 @@
           <p:cNvPr id="6" name="Footer Placeholder 5">
             <a:extLst>
               <a:ext uri="{FF2B5EF4-FFF2-40B4-BE49-F238E27FC236}">
-                <a16:creationId xmlns:a16="http://schemas.microsoft.com/office/drawing/2014/main" xmlns="" id="{E47CE3AA-72B9-403C-8D49-022B5D183C32}"/>
+                <a16:creationId xmlns:a16="http://schemas.microsoft.com/office/drawing/2014/main" id="{E47CE3AA-72B9-403C-8D49-022B5D183C32}"/>
               </a:ext>
             </a:extLst>
           </p:cNvPr>
@@ -2740,7 +2740,7 @@
           <p:cNvPr id="7" name="Slide Number Placeholder 6">
             <a:extLst>
               <a:ext uri="{FF2B5EF4-FFF2-40B4-BE49-F238E27FC236}">
-                <a16:creationId xmlns:a16="http://schemas.microsoft.com/office/drawing/2014/main" xmlns="" id="{23C62567-F1C4-4DE2-AB36-C64E857C059A}"/>
+                <a16:creationId xmlns:a16="http://schemas.microsoft.com/office/drawing/2014/main" id="{23C62567-F1C4-4DE2-AB36-C64E857C059A}"/>
               </a:ext>
             </a:extLst>
           </p:cNvPr>
@@ -2804,7 +2804,7 @@
           <p:cNvPr id="2" name="Title Placeholder 1">
             <a:extLst>
               <a:ext uri="{FF2B5EF4-FFF2-40B4-BE49-F238E27FC236}">
-                <a16:creationId xmlns:a16="http://schemas.microsoft.com/office/drawing/2014/main" xmlns="" id="{0A3485A4-5BC5-46D1-954D-0458ABD31EDD}"/>
+                <a16:creationId xmlns:a16="http://schemas.microsoft.com/office/drawing/2014/main" id="{0A3485A4-5BC5-46D1-954D-0458ABD31EDD}"/>
               </a:ext>
             </a:extLst>
           </p:cNvPr>
@@ -2843,7 +2843,7 @@
           <p:cNvPr id="3" name="Text Placeholder 2">
             <a:extLst>
               <a:ext uri="{FF2B5EF4-FFF2-40B4-BE49-F238E27FC236}">
-                <a16:creationId xmlns:a16="http://schemas.microsoft.com/office/drawing/2014/main" xmlns="" id="{DCE4EB72-87E5-49B2-8D50-57A696F68852}"/>
+                <a16:creationId xmlns:a16="http://schemas.microsoft.com/office/drawing/2014/main" id="{DCE4EB72-87E5-49B2-8D50-57A696F68852}"/>
               </a:ext>
             </a:extLst>
           </p:cNvPr>
@@ -2911,7 +2911,7 @@
           <p:cNvPr id="4" name="Date Placeholder 3">
             <a:extLst>
               <a:ext uri="{FF2B5EF4-FFF2-40B4-BE49-F238E27FC236}">
-                <a16:creationId xmlns:a16="http://schemas.microsoft.com/office/drawing/2014/main" xmlns="" id="{07DC129E-7493-4C2E-AACC-65143D43059A}"/>
+                <a16:creationId xmlns:a16="http://schemas.microsoft.com/office/drawing/2014/main" id="{07DC129E-7493-4C2E-AACC-65143D43059A}"/>
               </a:ext>
             </a:extLst>
           </p:cNvPr>
@@ -2947,7 +2947,7 @@
           <a:p>
             <a:fld id="{4A1B7908-05E0-489E-88A0-418655F09AC7}" type="datetimeFigureOut">
               <a:rPr lang="en-IN" smtClean="0"/>
-              <a:t>26-09-2023</a:t>
+              <a:t>07-12-2023</a:t>
             </a:fld>
             <a:endParaRPr lang="en-IN"/>
           </a:p>
@@ -2958,7 +2958,7 @@
           <p:cNvPr id="5" name="Footer Placeholder 4">
             <a:extLst>
               <a:ext uri="{FF2B5EF4-FFF2-40B4-BE49-F238E27FC236}">
-                <a16:creationId xmlns:a16="http://schemas.microsoft.com/office/drawing/2014/main" xmlns="" id="{CE2D4113-EA18-4038-949E-29AF43FA79E8}"/>
+                <a16:creationId xmlns:a16="http://schemas.microsoft.com/office/drawing/2014/main" id="{CE2D4113-EA18-4038-949E-29AF43FA79E8}"/>
               </a:ext>
             </a:extLst>
           </p:cNvPr>
@@ -3001,7 +3001,7 @@
           <p:cNvPr id="6" name="Slide Number Placeholder 5">
             <a:extLst>
               <a:ext uri="{FF2B5EF4-FFF2-40B4-BE49-F238E27FC236}">
-                <a16:creationId xmlns:a16="http://schemas.microsoft.com/office/drawing/2014/main" xmlns="" id="{F779EA14-743A-4C06-9F84-1A8605A5E37D}"/>
+                <a16:creationId xmlns:a16="http://schemas.microsoft.com/office/drawing/2014/main" id="{F779EA14-743A-4C06-9F84-1A8605A5E37D}"/>
               </a:ext>
             </a:extLst>
           </p:cNvPr>
@@ -3369,7 +3369,7 @@
           <p:cNvPr id="2" name="Title 1">
             <a:extLst>
               <a:ext uri="{FF2B5EF4-FFF2-40B4-BE49-F238E27FC236}">
-                <a16:creationId xmlns:a16="http://schemas.microsoft.com/office/drawing/2014/main" xmlns="" id="{A098015A-FD73-45EC-8612-3E9F15C1B033}"/>
+                <a16:creationId xmlns:a16="http://schemas.microsoft.com/office/drawing/2014/main" id="{A098015A-FD73-45EC-8612-3E9F15C1B033}"/>
               </a:ext>
             </a:extLst>
           </p:cNvPr>
@@ -3398,7 +3398,7 @@
           <p:cNvPr id="3" name="Content Placeholder 2">
             <a:extLst>
               <a:ext uri="{FF2B5EF4-FFF2-40B4-BE49-F238E27FC236}">
-                <a16:creationId xmlns:a16="http://schemas.microsoft.com/office/drawing/2014/main" xmlns="" id="{33ACFC93-D17D-47A7-9EF2-C7554F43A39D}"/>
+                <a16:creationId xmlns:a16="http://schemas.microsoft.com/office/drawing/2014/main" id="{33ACFC93-D17D-47A7-9EF2-C7554F43A39D}"/>
               </a:ext>
             </a:extLst>
           </p:cNvPr>
@@ -3538,7 +3538,7 @@
           <p:cNvPr id="2" name="Title 1">
             <a:extLst>
               <a:ext uri="{FF2B5EF4-FFF2-40B4-BE49-F238E27FC236}">
-                <a16:creationId xmlns:a16="http://schemas.microsoft.com/office/drawing/2014/main" xmlns="" id="{BD055BF2-0757-454B-8BDD-953D1247B71A}"/>
+                <a16:creationId xmlns:a16="http://schemas.microsoft.com/office/drawing/2014/main" id="{BD055BF2-0757-454B-8BDD-953D1247B71A}"/>
               </a:ext>
             </a:extLst>
           </p:cNvPr>
@@ -3588,7 +3588,7 @@
           <p:cNvPr id="3" name="Subtitle 2">
             <a:extLst>
               <a:ext uri="{FF2B5EF4-FFF2-40B4-BE49-F238E27FC236}">
-                <a16:creationId xmlns:a16="http://schemas.microsoft.com/office/drawing/2014/main" xmlns="" id="{4E84ABF0-123E-4D21-A9D8-AFA073D61803}"/>
+                <a16:creationId xmlns:a16="http://schemas.microsoft.com/office/drawing/2014/main" id="{4E84ABF0-123E-4D21-A9D8-AFA073D61803}"/>
               </a:ext>
             </a:extLst>
           </p:cNvPr>
@@ -3677,7 +3677,7 @@
           <p:cNvPr id="5" name="Picture 4">
             <a:extLst>
               <a:ext uri="{FF2B5EF4-FFF2-40B4-BE49-F238E27FC236}">
-                <a16:creationId xmlns:a16="http://schemas.microsoft.com/office/drawing/2014/main" xmlns="" id="{BB647B69-5C49-4C29-9807-A740B6527BB8}"/>
+                <a16:creationId xmlns:a16="http://schemas.microsoft.com/office/drawing/2014/main" id="{BB647B69-5C49-4C29-9807-A740B6527BB8}"/>
               </a:ext>
             </a:extLst>
           </p:cNvPr>
@@ -3743,7 +3743,7 @@
           <p:cNvPr id="2" name="Title 1">
             <a:extLst>
               <a:ext uri="{FF2B5EF4-FFF2-40B4-BE49-F238E27FC236}">
-                <a16:creationId xmlns:a16="http://schemas.microsoft.com/office/drawing/2014/main" xmlns="" id="{B8D7A473-E158-42DE-8BE6-3F29DC69FE6B}"/>
+                <a16:creationId xmlns:a16="http://schemas.microsoft.com/office/drawing/2014/main" id="{B8D7A473-E158-42DE-8BE6-3F29DC69FE6B}"/>
               </a:ext>
             </a:extLst>
           </p:cNvPr>
@@ -3778,7 +3778,7 @@
           <p:cNvPr id="3" name="Content Placeholder 2">
             <a:extLst>
               <a:ext uri="{FF2B5EF4-FFF2-40B4-BE49-F238E27FC236}">
-                <a16:creationId xmlns:a16="http://schemas.microsoft.com/office/drawing/2014/main" xmlns="" id="{D64D9F40-0BCE-4019-836C-52B48ED9A5DA}"/>
+                <a16:creationId xmlns:a16="http://schemas.microsoft.com/office/drawing/2014/main" id="{D64D9F40-0BCE-4019-836C-52B48ED9A5DA}"/>
               </a:ext>
             </a:extLst>
           </p:cNvPr>
@@ -4006,7 +4006,7 @@
           <p:cNvPr id="5" name="Picture 4">
             <a:extLst>
               <a:ext uri="{FF2B5EF4-FFF2-40B4-BE49-F238E27FC236}">
-                <a16:creationId xmlns:a16="http://schemas.microsoft.com/office/drawing/2014/main" xmlns="" id="{A7EB16A5-9755-458C-96E4-264CCE5E1A2A}"/>
+                <a16:creationId xmlns:a16="http://schemas.microsoft.com/office/drawing/2014/main" id="{A7EB16A5-9755-458C-96E4-264CCE5E1A2A}"/>
               </a:ext>
             </a:extLst>
           </p:cNvPr>
@@ -4075,7 +4075,7 @@
           <p:cNvPr id="3" name="Content Placeholder 2">
             <a:extLst>
               <a:ext uri="{FF2B5EF4-FFF2-40B4-BE49-F238E27FC236}">
-                <a16:creationId xmlns:a16="http://schemas.microsoft.com/office/drawing/2014/main" xmlns="" id="{0E379D16-209E-4D2A-9437-DFB8793324A8}"/>
+                <a16:creationId xmlns:a16="http://schemas.microsoft.com/office/drawing/2014/main" id="{0E379D16-209E-4D2A-9437-DFB8793324A8}"/>
               </a:ext>
             </a:extLst>
           </p:cNvPr>
@@ -4259,7 +4259,7 @@
           <p:cNvPr id="2" name="Title 1">
             <a:extLst>
               <a:ext uri="{FF2B5EF4-FFF2-40B4-BE49-F238E27FC236}">
-                <a16:creationId xmlns:a16="http://schemas.microsoft.com/office/drawing/2014/main" xmlns="" id="{2485AD50-0123-40CE-B466-77D8AB37D9BF}"/>
+                <a16:creationId xmlns:a16="http://schemas.microsoft.com/office/drawing/2014/main" id="{2485AD50-0123-40CE-B466-77D8AB37D9BF}"/>
               </a:ext>
             </a:extLst>
           </p:cNvPr>
@@ -4296,7 +4296,7 @@
           <p:cNvPr id="3" name="Content Placeholder 2">
             <a:extLst>
               <a:ext uri="{FF2B5EF4-FFF2-40B4-BE49-F238E27FC236}">
-                <a16:creationId xmlns:a16="http://schemas.microsoft.com/office/drawing/2014/main" xmlns="" id="{64375CBF-475E-46BF-8252-30E2C0DE43D1}"/>
+                <a16:creationId xmlns:a16="http://schemas.microsoft.com/office/drawing/2014/main" id="{64375CBF-475E-46BF-8252-30E2C0DE43D1}"/>
               </a:ext>
             </a:extLst>
           </p:cNvPr>
@@ -4490,7 +4490,7 @@
           <p:cNvPr id="2" name="Title 1">
             <a:extLst>
               <a:ext uri="{FF2B5EF4-FFF2-40B4-BE49-F238E27FC236}">
-                <a16:creationId xmlns:a16="http://schemas.microsoft.com/office/drawing/2014/main" xmlns="" id="{186A4FAA-C03C-4ED8-971A-0315DDA953B7}"/>
+                <a16:creationId xmlns:a16="http://schemas.microsoft.com/office/drawing/2014/main" id="{186A4FAA-C03C-4ED8-971A-0315DDA953B7}"/>
               </a:ext>
             </a:extLst>
           </p:cNvPr>
@@ -4527,7 +4527,7 @@
           <p:cNvPr id="3" name="Content Placeholder 2">
             <a:extLst>
               <a:ext uri="{FF2B5EF4-FFF2-40B4-BE49-F238E27FC236}">
-                <a16:creationId xmlns:a16="http://schemas.microsoft.com/office/drawing/2014/main" xmlns="" id="{E7AD4470-9DA7-4B8D-92BE-EFFEC283347B}"/>
+                <a16:creationId xmlns:a16="http://schemas.microsoft.com/office/drawing/2014/main" id="{E7AD4470-9DA7-4B8D-92BE-EFFEC283347B}"/>
               </a:ext>
             </a:extLst>
           </p:cNvPr>
@@ -4561,7 +4561,7 @@
               <a:buChar char=""/>
             </a:pPr>
             <a:r>
-              <a:rPr lang="en-IN" sz="2000" b="1" i="0" dirty="0" smtClean="0">
+              <a:rPr lang="en-IN" sz="2000" b="1" i="0" dirty="0">
                 <a:effectLst/>
                 <a:latin typeface="+mj-lt"/>
                 <a:ea typeface="Calibri" panose="020F0502020204030204" pitchFamily="34" charset="0"/>
@@ -4570,7 +4570,7 @@
               <a:t>Digital Convenience</a:t>
             </a:r>
             <a:r>
-              <a:rPr lang="en-IN" sz="2000" i="0" dirty="0" smtClean="0">
+              <a:rPr lang="en-IN" sz="2000" i="0" dirty="0">
                 <a:effectLst/>
                 <a:latin typeface="+mj-lt"/>
                 <a:ea typeface="Calibri" panose="020F0502020204030204" pitchFamily="34" charset="0"/>
@@ -4597,7 +4597,7 @@
               <a:buChar char=""/>
             </a:pPr>
             <a:r>
-              <a:rPr lang="en-IN" sz="2000" b="1" i="0" dirty="0" smtClean="0">
+              <a:rPr lang="en-IN" sz="2000" b="1" i="0" dirty="0">
                 <a:effectLst/>
                 <a:latin typeface="+mj-lt"/>
                 <a:ea typeface="Calibri" panose="020F0502020204030204" pitchFamily="34" charset="0"/>
@@ -4606,7 +4606,7 @@
               <a:t>Financial Inclusion</a:t>
             </a:r>
             <a:r>
-              <a:rPr lang="en-IN" sz="2000" i="0" dirty="0" smtClean="0">
+              <a:rPr lang="en-IN" sz="2000" i="0" dirty="0">
                 <a:effectLst/>
                 <a:latin typeface="+mj-lt"/>
                 <a:ea typeface="Calibri" panose="020F0502020204030204" pitchFamily="34" charset="0"/>
@@ -4633,7 +4633,7 @@
               <a:buChar char=""/>
             </a:pPr>
             <a:r>
-              <a:rPr lang="en-IN" sz="2000" b="1" i="0" dirty="0" smtClean="0">
+              <a:rPr lang="en-IN" sz="2000" b="1" i="0" dirty="0">
                 <a:effectLst/>
                 <a:latin typeface="+mj-lt"/>
                 <a:ea typeface="Calibri" panose="020F0502020204030204" pitchFamily="34" charset="0"/>
@@ -4642,7 +4642,7 @@
               <a:t>Fast and Easy Account Opening</a:t>
             </a:r>
             <a:r>
-              <a:rPr lang="en-IN" sz="2000" i="0" dirty="0" smtClean="0">
+              <a:rPr lang="en-IN" sz="2000" i="0" dirty="0">
                 <a:effectLst/>
                 <a:latin typeface="+mj-lt"/>
                 <a:ea typeface="Calibri" panose="020F0502020204030204" pitchFamily="34" charset="0"/>
@@ -4669,7 +4669,7 @@
               <a:buChar char=""/>
             </a:pPr>
             <a:r>
-              <a:rPr lang="en-IN" sz="2000" b="1" i="0" dirty="0" smtClean="0">
+              <a:rPr lang="en-IN" sz="2000" b="1" i="0" dirty="0">
                 <a:effectLst/>
                 <a:latin typeface="+mj-lt"/>
                 <a:ea typeface="Calibri" panose="020F0502020204030204" pitchFamily="34" charset="0"/>
@@ -4678,7 +4678,7 @@
               <a:t>Enhanced Customer Experience</a:t>
             </a:r>
             <a:r>
-              <a:rPr lang="en-IN" sz="2000" i="0" dirty="0" smtClean="0">
+              <a:rPr lang="en-IN" sz="2000" i="0" dirty="0">
                 <a:effectLst/>
                 <a:latin typeface="+mj-lt"/>
                 <a:ea typeface="Calibri" panose="020F0502020204030204" pitchFamily="34" charset="0"/>
@@ -4714,7 +4714,7 @@
               </a:rPr>
               <a:t>: Neo banks prioritize continuous improvement and innovation to stay at the forefront of technology and offer cutting-edge banking solutions.</a:t>
             </a:r>
-            <a:endParaRPr lang="en-IN" sz="2000" i="0" dirty="0" smtClean="0">
+            <a:endParaRPr lang="en-IN" sz="2000" i="0" dirty="0">
               <a:effectLst/>
               <a:latin typeface="+mj-lt"/>
               <a:ea typeface="Calibri" panose="020F0502020204030204" pitchFamily="34" charset="0"/>
@@ -4803,7 +4803,7 @@
               <a:buFont typeface="Symbol" panose="05050102010706020507" pitchFamily="18" charset="2"/>
               <a:buChar char=""/>
             </a:pPr>
-            <a:endParaRPr lang="en-IN" sz="2000" dirty="0" smtClean="0">
+            <a:endParaRPr lang="en-IN" sz="2000" dirty="0">
               <a:latin typeface="Lucida Sans" panose="020B0602030504020204" pitchFamily="34" charset="0"/>
               <a:ea typeface="Calibri" panose="020F0502020204030204" pitchFamily="34" charset="0"/>
               <a:cs typeface="Times New Roman" panose="02020603050405020304" pitchFamily="18" charset="0"/>
@@ -4821,7 +4821,7 @@
               <a:buChar char=""/>
             </a:pPr>
             <a:r>
-              <a:rPr lang="en-IN" sz="2000" b="1" dirty="0" smtClean="0">
+              <a:rPr lang="en-IN" sz="2000" b="1" dirty="0">
                 <a:latin typeface="Lucida Sans" panose="020B0602030504020204" pitchFamily="34" charset="0"/>
                 <a:ea typeface="Calibri" panose="020F0502020204030204" pitchFamily="34" charset="0"/>
                 <a:cs typeface="Times New Roman" panose="02020603050405020304" pitchFamily="18" charset="0"/>
@@ -4829,7 +4829,7 @@
               <a:t>Financial Education</a:t>
             </a:r>
             <a:r>
-              <a:rPr lang="en-IN" sz="2000" dirty="0" smtClean="0">
+              <a:rPr lang="en-IN" sz="2000" dirty="0">
                 <a:latin typeface="Lucida Sans" panose="020B0602030504020204" pitchFamily="34" charset="0"/>
                 <a:ea typeface="Calibri" panose="020F0502020204030204" pitchFamily="34" charset="0"/>
                 <a:cs typeface="Times New Roman" panose="02020603050405020304" pitchFamily="18" charset="0"/>
@@ -4849,7 +4849,7 @@
               <a:buChar char=""/>
             </a:pPr>
             <a:r>
-              <a:rPr lang="en-IN" sz="2000" b="1" dirty="0" smtClean="0">
+              <a:rPr lang="en-IN" sz="2000" b="1" dirty="0">
                 <a:latin typeface="Lucida Sans" panose="020B0602030504020204" pitchFamily="34" charset="0"/>
                 <a:ea typeface="Calibri" panose="020F0502020204030204" pitchFamily="34" charset="0"/>
                 <a:cs typeface="Times New Roman" panose="02020603050405020304" pitchFamily="18" charset="0"/>
@@ -4857,7 +4857,7 @@
               <a:t>Paperless and Eco-Friendly Approach</a:t>
             </a:r>
             <a:r>
-              <a:rPr lang="en-IN" sz="2000" dirty="0" smtClean="0">
+              <a:rPr lang="en-IN" sz="2000" dirty="0">
                 <a:latin typeface="Lucida Sans" panose="020B0602030504020204" pitchFamily="34" charset="0"/>
                 <a:ea typeface="Calibri" panose="020F0502020204030204" pitchFamily="34" charset="0"/>
                 <a:cs typeface="Times New Roman" panose="02020603050405020304" pitchFamily="18" charset="0"/>
@@ -4877,7 +4877,7 @@
               <a:buChar char=""/>
             </a:pPr>
             <a:r>
-              <a:rPr lang="en-IN" sz="2000" b="1" dirty="0" smtClean="0">
+              <a:rPr lang="en-IN" sz="2000" b="1" dirty="0">
                 <a:latin typeface="Lucida Sans" panose="020B0602030504020204" pitchFamily="34" charset="0"/>
                 <a:ea typeface="Calibri" panose="020F0502020204030204" pitchFamily="34" charset="0"/>
                 <a:cs typeface="Times New Roman" panose="02020603050405020304" pitchFamily="18" charset="0"/>
@@ -4885,7 +4885,7 @@
               <a:t>AI-Powered Customer Support</a:t>
             </a:r>
             <a:r>
-              <a:rPr lang="en-IN" sz="2000" dirty="0" smtClean="0">
+              <a:rPr lang="en-IN" sz="2000" dirty="0">
                 <a:latin typeface="Lucida Sans" panose="020B0602030504020204" pitchFamily="34" charset="0"/>
                 <a:ea typeface="Calibri" panose="020F0502020204030204" pitchFamily="34" charset="0"/>
                 <a:cs typeface="Times New Roman" panose="02020603050405020304" pitchFamily="18" charset="0"/>
@@ -4905,18 +4905,11 @@
               <a:buChar char=""/>
             </a:pPr>
             <a:r>
-              <a:rPr lang="en-IN" sz="2000" b="1" dirty="0" smtClean="0">
-                <a:ea typeface="Calibri" panose="020F0502020204030204" pitchFamily="34" charset="0"/>
-                <a:cs typeface="Times New Roman" panose="02020603050405020304" pitchFamily="18" charset="0"/>
-              </a:rPr>
-              <a:t>Loan </a:t>
-            </a:r>
-            <a:r>
               <a:rPr lang="en-IN" sz="2000" b="1" dirty="0">
                 <a:ea typeface="Calibri" panose="020F0502020204030204" pitchFamily="34" charset="0"/>
                 <a:cs typeface="Times New Roman" panose="02020603050405020304" pitchFamily="18" charset="0"/>
               </a:rPr>
-              <a:t>and EMI</a:t>
+              <a:t>Loan and EMI</a:t>
             </a:r>
             <a:r>
               <a:rPr lang="en-IN" sz="2000" dirty="0">
@@ -4955,11 +4948,18 @@
               <a:buChar char=""/>
             </a:pPr>
             <a:r>
+              <a:rPr lang="en-US" sz="1600">
+                <a:ea typeface="Calibri" panose="020F0502020204030204" pitchFamily="34" charset="0"/>
+                <a:cs typeface="Times New Roman" panose="02020603050405020304" pitchFamily="18" charset="0"/>
+              </a:rPr>
+              <a:t>Personal </a:t>
+            </a:r>
+            <a:r>
               <a:rPr lang="en-US" sz="1600" dirty="0">
                 <a:ea typeface="Calibri" panose="020F0502020204030204" pitchFamily="34" charset="0"/>
                 <a:cs typeface="Times New Roman" panose="02020603050405020304" pitchFamily="18" charset="0"/>
               </a:rPr>
-              <a:t>Business Loan</a:t>
+              <a:t>Loan</a:t>
             </a:r>
           </a:p>
           <a:p>
@@ -4971,37 +4971,12 @@
               <a:buChar char=""/>
             </a:pPr>
             <a:r>
-              <a:rPr lang="en-US" sz="1600" dirty="0" smtClean="0">
-                <a:ea typeface="Calibri" panose="020F0502020204030204" pitchFamily="34" charset="0"/>
-                <a:cs typeface="Times New Roman" panose="02020603050405020304" pitchFamily="18" charset="0"/>
-              </a:rPr>
-              <a:t>Special </a:t>
-            </a:r>
-            <a:r>
               <a:rPr lang="en-US" sz="1600" dirty="0">
                 <a:ea typeface="Calibri" panose="020F0502020204030204" pitchFamily="34" charset="0"/>
                 <a:cs typeface="Times New Roman" panose="02020603050405020304" pitchFamily="18" charset="0"/>
               </a:rPr>
-              <a:t>loan </a:t>
-            </a:r>
-            <a:r>
-              <a:rPr lang="en-US" sz="1600">
-                <a:ea typeface="Calibri" panose="020F0502020204030204" pitchFamily="34" charset="0"/>
-                <a:cs typeface="Times New Roman" panose="02020603050405020304" pitchFamily="18" charset="0"/>
-              </a:rPr>
-              <a:t>on </a:t>
-            </a:r>
-            <a:r>
-              <a:rPr lang="en-US" sz="1600" smtClean="0">
-                <a:ea typeface="Calibri" panose="020F0502020204030204" pitchFamily="34" charset="0"/>
-                <a:cs typeface="Times New Roman" panose="02020603050405020304" pitchFamily="18" charset="0"/>
-              </a:rPr>
-              <a:t>Goods</a:t>
-            </a:r>
-            <a:endParaRPr lang="en-US" sz="1600" dirty="0">
-              <a:ea typeface="Calibri" panose="020F0502020204030204" pitchFamily="34" charset="0"/>
-              <a:cs typeface="Times New Roman" panose="02020603050405020304" pitchFamily="18" charset="0"/>
-            </a:endParaRPr>
+              <a:t>Special loan on Goods</a:t>
+            </a:r>
           </a:p>
           <a:p>
             <a:pPr marL="800100" lvl="1" indent="-342900">
@@ -5011,7 +4986,7 @@
               <a:buFont typeface="Symbol" panose="05050102010706020507" pitchFamily="18" charset="2"/>
               <a:buChar char=""/>
             </a:pPr>
-            <a:endParaRPr lang="en-US" sz="1600" dirty="0" smtClean="0">
+            <a:endParaRPr lang="en-US" sz="1600" dirty="0">
               <a:ea typeface="Calibri" panose="020F0502020204030204" pitchFamily="34" charset="0"/>
               <a:cs typeface="Times New Roman" panose="02020603050405020304" pitchFamily="18" charset="0"/>
             </a:endParaRPr>
@@ -5320,7 +5295,7 @@
   <a:extraClrSchemeLst/>
   <a:extLst>
     <a:ext uri="{05A4C25C-085E-4340-85A3-A5531E510DB2}">
-      <thm15:themeFamily xmlns:thm15="http://schemas.microsoft.com/office/thememl/2012/main" xmlns="" name="Office Theme" id="{62F939B6-93AF-4DB8-9C6B-D6C7DFDC589F}" vid="{4A3C46E8-61CC-4603-A589-7422A47A8E4A}"/>
+      <thm15:themeFamily xmlns:thm15="http://schemas.microsoft.com/office/thememl/2012/main" name="Office Theme" id="{62F939B6-93AF-4DB8-9C6B-D6C7DFDC589F}" vid="{4A3C46E8-61CC-4603-A589-7422A47A8E4A}"/>
     </a:ext>
   </a:extLst>
 </a:theme>
